--- a/images/intuition.pptx
+++ b/images/intuition.pptx
@@ -208,7 +208,7 @@
           <a:p>
             <a:fld id="{4E8F73D9-6053-F544-9EB3-134D62B33922}" type="datetimeFigureOut">
               <a:rPr kumimoji="1" lang="zh-CN" altLang="en-US" smtClean="0"/>
-              <a:t>2023/10/15</a:t>
+              <a:t>2024/4/26</a:t>
             </a:fld>
             <a:endParaRPr kumimoji="1" lang="zh-CN" altLang="en-US"/>
           </a:p>
@@ -706,7 +706,7 @@
           <a:p>
             <a:fld id="{37E4ABEC-8624-6741-9A58-833B659F11AE}" type="datetimeFigureOut">
               <a:rPr kumimoji="1" lang="zh-CN" altLang="en-US" smtClean="0"/>
-              <a:t>2023/10/15</a:t>
+              <a:t>2024/4/26</a:t>
             </a:fld>
             <a:endParaRPr kumimoji="1" lang="zh-CN" altLang="en-US"/>
           </a:p>
@@ -904,7 +904,7 @@
           <a:p>
             <a:fld id="{37E4ABEC-8624-6741-9A58-833B659F11AE}" type="datetimeFigureOut">
               <a:rPr kumimoji="1" lang="zh-CN" altLang="en-US" smtClean="0"/>
-              <a:t>2023/10/15</a:t>
+              <a:t>2024/4/26</a:t>
             </a:fld>
             <a:endParaRPr kumimoji="1" lang="zh-CN" altLang="en-US"/>
           </a:p>
@@ -1112,7 +1112,7 @@
           <a:p>
             <a:fld id="{37E4ABEC-8624-6741-9A58-833B659F11AE}" type="datetimeFigureOut">
               <a:rPr kumimoji="1" lang="zh-CN" altLang="en-US" smtClean="0"/>
-              <a:t>2023/10/15</a:t>
+              <a:t>2024/4/26</a:t>
             </a:fld>
             <a:endParaRPr kumimoji="1" lang="zh-CN" altLang="en-US"/>
           </a:p>
@@ -1310,7 +1310,7 @@
           <a:p>
             <a:fld id="{37E4ABEC-8624-6741-9A58-833B659F11AE}" type="datetimeFigureOut">
               <a:rPr kumimoji="1" lang="zh-CN" altLang="en-US" smtClean="0"/>
-              <a:t>2023/10/15</a:t>
+              <a:t>2024/4/26</a:t>
             </a:fld>
             <a:endParaRPr kumimoji="1" lang="zh-CN" altLang="en-US"/>
           </a:p>
@@ -1585,7 +1585,7 @@
           <a:p>
             <a:fld id="{37E4ABEC-8624-6741-9A58-833B659F11AE}" type="datetimeFigureOut">
               <a:rPr kumimoji="1" lang="zh-CN" altLang="en-US" smtClean="0"/>
-              <a:t>2023/10/15</a:t>
+              <a:t>2024/4/26</a:t>
             </a:fld>
             <a:endParaRPr kumimoji="1" lang="zh-CN" altLang="en-US"/>
           </a:p>
@@ -1850,7 +1850,7 @@
           <a:p>
             <a:fld id="{37E4ABEC-8624-6741-9A58-833B659F11AE}" type="datetimeFigureOut">
               <a:rPr kumimoji="1" lang="zh-CN" altLang="en-US" smtClean="0"/>
-              <a:t>2023/10/15</a:t>
+              <a:t>2024/4/26</a:t>
             </a:fld>
             <a:endParaRPr kumimoji="1" lang="zh-CN" altLang="en-US"/>
           </a:p>
@@ -2262,7 +2262,7 @@
           <a:p>
             <a:fld id="{37E4ABEC-8624-6741-9A58-833B659F11AE}" type="datetimeFigureOut">
               <a:rPr kumimoji="1" lang="zh-CN" altLang="en-US" smtClean="0"/>
-              <a:t>2023/10/15</a:t>
+              <a:t>2024/4/26</a:t>
             </a:fld>
             <a:endParaRPr kumimoji="1" lang="zh-CN" altLang="en-US"/>
           </a:p>
@@ -2403,7 +2403,7 @@
           <a:p>
             <a:fld id="{37E4ABEC-8624-6741-9A58-833B659F11AE}" type="datetimeFigureOut">
               <a:rPr kumimoji="1" lang="zh-CN" altLang="en-US" smtClean="0"/>
-              <a:t>2023/10/15</a:t>
+              <a:t>2024/4/26</a:t>
             </a:fld>
             <a:endParaRPr kumimoji="1" lang="zh-CN" altLang="en-US"/>
           </a:p>
@@ -2516,7 +2516,7 @@
           <a:p>
             <a:fld id="{37E4ABEC-8624-6741-9A58-833B659F11AE}" type="datetimeFigureOut">
               <a:rPr kumimoji="1" lang="zh-CN" altLang="en-US" smtClean="0"/>
-              <a:t>2023/10/15</a:t>
+              <a:t>2024/4/26</a:t>
             </a:fld>
             <a:endParaRPr kumimoji="1" lang="zh-CN" altLang="en-US"/>
           </a:p>
@@ -2827,7 +2827,7 @@
           <a:p>
             <a:fld id="{37E4ABEC-8624-6741-9A58-833B659F11AE}" type="datetimeFigureOut">
               <a:rPr kumimoji="1" lang="zh-CN" altLang="en-US" smtClean="0"/>
-              <a:t>2023/10/15</a:t>
+              <a:t>2024/4/26</a:t>
             </a:fld>
             <a:endParaRPr kumimoji="1" lang="zh-CN" altLang="en-US"/>
           </a:p>
@@ -3115,7 +3115,7 @@
           <a:p>
             <a:fld id="{37E4ABEC-8624-6741-9A58-833B659F11AE}" type="datetimeFigureOut">
               <a:rPr kumimoji="1" lang="zh-CN" altLang="en-US" smtClean="0"/>
-              <a:t>2023/10/15</a:t>
+              <a:t>2024/4/26</a:t>
             </a:fld>
             <a:endParaRPr kumimoji="1" lang="zh-CN" altLang="en-US"/>
           </a:p>
@@ -3356,7 +3356,7 @@
           <a:p>
             <a:fld id="{37E4ABEC-8624-6741-9A58-833B659F11AE}" type="datetimeFigureOut">
               <a:rPr kumimoji="1" lang="zh-CN" altLang="en-US" smtClean="0"/>
-              <a:t>2023/10/15</a:t>
+              <a:t>2024/4/26</a:t>
             </a:fld>
             <a:endParaRPr kumimoji="1" lang="zh-CN" altLang="en-US"/>
           </a:p>
@@ -4279,8 +4279,8 @@
           </a:p>
         </p:txBody>
       </p:sp>
-      <mc:AlternateContent xmlns:mc="http://schemas.openxmlformats.org/markup-compatibility/2006">
-        <mc:Choice xmlns:a14="http://schemas.microsoft.com/office/drawing/2010/main" Requires="a14">
+      <mc:AlternateContent xmlns:mc="http://schemas.openxmlformats.org/markup-compatibility/2006" xmlns:a14="http://schemas.microsoft.com/office/drawing/2010/main">
+        <mc:Choice Requires="a14">
           <p:sp>
             <p:nvSpPr>
               <p:cNvPr id="52" name="文本框 51">
@@ -4413,7 +4413,7 @@
             </p:txBody>
           </p:sp>
         </mc:Choice>
-        <mc:Fallback>
+        <mc:Fallback xmlns="">
           <p:sp>
             <p:nvSpPr>
               <p:cNvPr id="52" name="文本框 51">
@@ -4781,8 +4781,8 @@
           </a:fontRef>
         </p:style>
       </p:cxnSp>
-      <mc:AlternateContent xmlns:mc="http://schemas.openxmlformats.org/markup-compatibility/2006">
-        <mc:Choice xmlns:a14="http://schemas.microsoft.com/office/drawing/2010/main" Requires="a14">
+      <mc:AlternateContent xmlns:mc="http://schemas.openxmlformats.org/markup-compatibility/2006" xmlns:a14="http://schemas.microsoft.com/office/drawing/2010/main">
+        <mc:Choice Requires="a14">
           <p:sp>
             <p:nvSpPr>
               <p:cNvPr id="36" name="文本框 35">
@@ -4852,7 +4852,7 @@
             </p:txBody>
           </p:sp>
         </mc:Choice>
-        <mc:Fallback>
+        <mc:Fallback xmlns="">
           <p:sp>
             <p:nvSpPr>
               <p:cNvPr id="36" name="文本框 35">
@@ -4897,8 +4897,8 @@
           </p:sp>
         </mc:Fallback>
       </mc:AlternateContent>
-      <mc:AlternateContent xmlns:mc="http://schemas.openxmlformats.org/markup-compatibility/2006">
-        <mc:Choice xmlns:a14="http://schemas.microsoft.com/office/drawing/2010/main" Requires="a14">
+      <mc:AlternateContent xmlns:mc="http://schemas.openxmlformats.org/markup-compatibility/2006" xmlns:a14="http://schemas.microsoft.com/office/drawing/2010/main">
+        <mc:Choice Requires="a14">
           <p:sp>
             <p:nvSpPr>
               <p:cNvPr id="37" name="文本框 36">
@@ -4968,7 +4968,7 @@
             </p:txBody>
           </p:sp>
         </mc:Choice>
-        <mc:Fallback>
+        <mc:Fallback xmlns="">
           <p:sp>
             <p:nvSpPr>
               <p:cNvPr id="37" name="文本框 36">
@@ -5335,8 +5335,8 @@
           </a:fontRef>
         </p:style>
       </p:cxnSp>
-      <mc:AlternateContent xmlns:mc="http://schemas.openxmlformats.org/markup-compatibility/2006">
-        <mc:Choice xmlns:a14="http://schemas.microsoft.com/office/drawing/2010/main" Requires="a14">
+      <mc:AlternateContent xmlns:mc="http://schemas.openxmlformats.org/markup-compatibility/2006" xmlns:a14="http://schemas.microsoft.com/office/drawing/2010/main">
+        <mc:Choice Requires="a14">
           <p:sp>
             <p:nvSpPr>
               <p:cNvPr id="42" name="文本框 41">
@@ -5386,7 +5386,7 @@
             </p:txBody>
           </p:sp>
         </mc:Choice>
-        <mc:Fallback>
+        <mc:Fallback xmlns="">
           <p:sp>
             <p:nvSpPr>
               <p:cNvPr id="42" name="文本框 41">
@@ -5431,8 +5431,8 @@
           </p:sp>
         </mc:Fallback>
       </mc:AlternateContent>
-      <mc:AlternateContent xmlns:mc="http://schemas.openxmlformats.org/markup-compatibility/2006">
-        <mc:Choice xmlns:a14="http://schemas.microsoft.com/office/drawing/2010/main" Requires="a14">
+      <mc:AlternateContent xmlns:mc="http://schemas.openxmlformats.org/markup-compatibility/2006" xmlns:a14="http://schemas.microsoft.com/office/drawing/2010/main">
+        <mc:Choice Requires="a14">
           <p:sp>
             <p:nvSpPr>
               <p:cNvPr id="43" name="文本框 42">
@@ -5502,7 +5502,7 @@
             </p:txBody>
           </p:sp>
         </mc:Choice>
-        <mc:Fallback>
+        <mc:Fallback xmlns="">
           <p:sp>
             <p:nvSpPr>
               <p:cNvPr id="43" name="文本框 42">
@@ -5547,8 +5547,8 @@
           </p:sp>
         </mc:Fallback>
       </mc:AlternateContent>
-      <mc:AlternateContent xmlns:mc="http://schemas.openxmlformats.org/markup-compatibility/2006">
-        <mc:Choice xmlns:a14="http://schemas.microsoft.com/office/drawing/2010/main" Requires="a14">
+      <mc:AlternateContent xmlns:mc="http://schemas.openxmlformats.org/markup-compatibility/2006" xmlns:a14="http://schemas.microsoft.com/office/drawing/2010/main">
+        <mc:Choice Requires="a14">
           <p:sp>
             <p:nvSpPr>
               <p:cNvPr id="44" name="文本框 43">
@@ -5618,7 +5618,7 @@
             </p:txBody>
           </p:sp>
         </mc:Choice>
-        <mc:Fallback>
+        <mc:Fallback xmlns="">
           <p:sp>
             <p:nvSpPr>
               <p:cNvPr id="44" name="文本框 43">
@@ -5714,88 +5714,8 @@
           </a:p>
         </p:txBody>
       </p:sp>
-      <p:sp>
-        <p:nvSpPr>
-          <p:cNvPr id="60" name="圆角矩形 59">
-            <a:extLst>
-              <a:ext uri="{FF2B5EF4-FFF2-40B4-BE49-F238E27FC236}">
-                <a16:creationId xmlns:a16="http://schemas.microsoft.com/office/drawing/2014/main" id="{FD144510-9FF7-F141-A8C8-689A628B92DC}"/>
-              </a:ext>
-            </a:extLst>
-          </p:cNvPr>
-          <p:cNvSpPr/>
-          <p:nvPr/>
-        </p:nvSpPr>
-        <p:spPr>
-          <a:xfrm>
-            <a:off x="4211004" y="4035384"/>
-            <a:ext cx="3786890" cy="1008051"/>
-          </a:xfrm>
-          <a:prstGeom prst="roundRect">
-            <a:avLst/>
-          </a:prstGeom>
-          <a:solidFill>
-            <a:schemeClr val="tx1">
-              <a:lumMod val="50000"/>
-              <a:lumOff val="50000"/>
-              <a:alpha val="80000"/>
-            </a:schemeClr>
-          </a:solidFill>
-          <a:ln>
-            <a:noFill/>
-          </a:ln>
-        </p:spPr>
-        <p:style>
-          <a:lnRef idx="2">
-            <a:schemeClr val="accent1">
-              <a:shade val="50000"/>
-            </a:schemeClr>
-          </a:lnRef>
-          <a:fillRef idx="1">
-            <a:schemeClr val="accent1"/>
-          </a:fillRef>
-          <a:effectRef idx="0">
-            <a:schemeClr val="accent1"/>
-          </a:effectRef>
-          <a:fontRef idx="minor">
-            <a:schemeClr val="lt1"/>
-          </a:fontRef>
-        </p:style>
-        <p:txBody>
-          <a:bodyPr rtlCol="0" anchor="ctr"/>
-          <a:lstStyle/>
-          <a:p>
-            <a:pPr algn="ctr"/>
-            <a:r>
-              <a:rPr kumimoji="1" lang="en-US" altLang="zh-CN" sz="2000" dirty="0">
-                <a:latin typeface="Times New Roman" panose="02020603050405020304" pitchFamily="18" charset="0"/>
-                <a:cs typeface="Times New Roman" panose="02020603050405020304" pitchFamily="18" charset="0"/>
-              </a:rPr>
-              <a:t>Infeasible</a:t>
-            </a:r>
-            <a:r>
-              <a:rPr kumimoji="1" lang="zh-CN" altLang="en-US" sz="2000" dirty="0">
-                <a:latin typeface="Times New Roman" panose="02020603050405020304" pitchFamily="18" charset="0"/>
-                <a:cs typeface="Times New Roman" panose="02020603050405020304" pitchFamily="18" charset="0"/>
-              </a:rPr>
-              <a:t> </a:t>
-            </a:r>
-            <a:r>
-              <a:rPr kumimoji="1" lang="en-US" altLang="zh-CN" sz="2000" dirty="0">
-                <a:latin typeface="Times New Roman" panose="02020603050405020304" pitchFamily="18" charset="0"/>
-                <a:cs typeface="Times New Roman" panose="02020603050405020304" pitchFamily="18" charset="0"/>
-              </a:rPr>
-              <a:t>region</a:t>
-            </a:r>
-            <a:endParaRPr kumimoji="1" lang="zh-CN" altLang="en-US" sz="2000" dirty="0">
-              <a:latin typeface="Times New Roman" panose="02020603050405020304" pitchFamily="18" charset="0"/>
-              <a:cs typeface="Times New Roman" panose="02020603050405020304" pitchFamily="18" charset="0"/>
-            </a:endParaRPr>
-          </a:p>
-        </p:txBody>
-      </p:sp>
-      <mc:AlternateContent xmlns:mc="http://schemas.openxmlformats.org/markup-compatibility/2006">
-        <mc:Choice xmlns:a14="http://schemas.microsoft.com/office/drawing/2010/main" Requires="a14">
+      <mc:AlternateContent xmlns:mc="http://schemas.openxmlformats.org/markup-compatibility/2006" xmlns:a14="http://schemas.microsoft.com/office/drawing/2010/main">
+        <mc:Choice Requires="a14">
           <p:sp>
             <p:nvSpPr>
               <p:cNvPr id="38" name="文本框 37">
@@ -5970,7 +5890,7 @@
             </p:txBody>
           </p:sp>
         </mc:Choice>
-        <mc:Fallback>
+        <mc:Fallback xmlns="">
           <p:sp>
             <p:nvSpPr>
               <p:cNvPr id="38" name="文本框 37">
@@ -6146,8 +6066,8 @@
           </p:txBody>
         </p:sp>
       </p:grpSp>
-      <mc:AlternateContent xmlns:mc="http://schemas.openxmlformats.org/markup-compatibility/2006">
-        <mc:Choice xmlns:a14="http://schemas.microsoft.com/office/drawing/2010/main" Requires="a14">
+      <mc:AlternateContent xmlns:mc="http://schemas.openxmlformats.org/markup-compatibility/2006" xmlns:a14="http://schemas.microsoft.com/office/drawing/2010/main">
+        <mc:Choice Requires="a14">
           <p:sp>
             <p:nvSpPr>
               <p:cNvPr id="58" name="文本框 57">
@@ -6251,7 +6171,7 @@
             </p:txBody>
           </p:sp>
         </mc:Choice>
-        <mc:Fallback>
+        <mc:Fallback xmlns="">
           <p:sp>
             <p:nvSpPr>
               <p:cNvPr id="58" name="文本框 57">
